--- a/ppts/05-3 BinaryTreeQuiz10.pptx
+++ b/ppts/05-3 BinaryTreeQuiz10.pptx
@@ -214,7 +214,7 @@
           <a:p>
             <a:fld id="{648057B7-EFC7-4AC6-B479-CDD44EB7D654}" type="datetimeFigureOut">
               <a:rPr lang="ko-KR" altLang="en-US" smtClean="0"/>
-              <a:t>2022-05-05</a:t>
+              <a:t>2022-11-03</a:t>
             </a:fld>
             <a:endParaRPr lang="ko-KR" altLang="en-US"/>
           </a:p>
@@ -541,21 +541,16 @@
           </a:lstStyle>
           <a:p>
             <a:r>
-              <a:rPr lang="ko-KR" altLang="en-US" dirty="0" smtClean="0"/>
+              <a:rPr lang="ko-KR" altLang="en-US" dirty="0"/>
               <a:t>마스터 제목 </a:t>
             </a:r>
-            <a:r>
-              <a:rPr lang="en-US" altLang="ko-KR" dirty="0" smtClean="0"/>
-              <a:t/>
-            </a:r>
             <a:br>
-              <a:rPr lang="en-US" altLang="ko-KR" dirty="0" smtClean="0"/>
+              <a:rPr lang="en-US" altLang="ko-KR" dirty="0"/>
             </a:br>
             <a:r>
-              <a:rPr lang="ko-KR" altLang="en-US" dirty="0" smtClean="0"/>
+              <a:rPr lang="ko-KR" altLang="en-US" dirty="0"/>
               <a:t>스타일 편집</a:t>
             </a:r>
-            <a:endParaRPr lang="ko-KR" altLang="en-US" dirty="0"/>
           </a:p>
         </p:txBody>
       </p:sp>
@@ -682,13 +677,8 @@
             <a:pPr lvl="2" eaLnBrk="1" latinLnBrk="0" hangingPunct="1"/>
             <a:r>
               <a:rPr lang="ko-KR" altLang="en-US" dirty="0"/>
-              <a:t>셋째 </a:t>
+              <a:t>셋째 수준</a:t>
             </a:r>
-            <a:r>
-              <a:rPr lang="ko-KR" altLang="en-US" dirty="0" smtClean="0"/>
-              <a:t>수준</a:t>
-            </a:r>
-            <a:endParaRPr lang="ko-KR" altLang="en-US" dirty="0"/>
           </a:p>
         </p:txBody>
       </p:sp>
@@ -765,21 +755,16 @@
           </a:lstStyle>
           <a:p>
             <a:r>
-              <a:rPr lang="ko-KR" altLang="en-US" dirty="0" smtClean="0"/>
+              <a:rPr lang="ko-KR" altLang="en-US" dirty="0"/>
               <a:t>마스터 제목 </a:t>
             </a:r>
-            <a:r>
-              <a:rPr lang="en-US" altLang="ko-KR" dirty="0" smtClean="0"/>
-              <a:t/>
-            </a:r>
             <a:br>
-              <a:rPr lang="en-US" altLang="ko-KR" dirty="0" smtClean="0"/>
+              <a:rPr lang="en-US" altLang="ko-KR" dirty="0"/>
             </a:br>
             <a:r>
-              <a:rPr lang="ko-KR" altLang="en-US" dirty="0" smtClean="0"/>
+              <a:rPr lang="ko-KR" altLang="en-US" dirty="0"/>
               <a:t>스타일 편집</a:t>
             </a:r>
-            <a:endParaRPr lang="ko-KR" altLang="en-US" dirty="0"/>
           </a:p>
         </p:txBody>
       </p:sp>
@@ -906,13 +891,8 @@
             <a:pPr lvl="2" eaLnBrk="1" latinLnBrk="0" hangingPunct="1"/>
             <a:r>
               <a:rPr lang="ko-KR" altLang="en-US" dirty="0"/>
-              <a:t>셋째 </a:t>
+              <a:t>셋째 수준</a:t>
             </a:r>
-            <a:r>
-              <a:rPr lang="ko-KR" altLang="en-US" dirty="0" smtClean="0"/>
-              <a:t>수준</a:t>
-            </a:r>
-            <a:endParaRPr lang="ko-KR" altLang="en-US" dirty="0"/>
           </a:p>
         </p:txBody>
       </p:sp>
@@ -1056,10 +1036,9 @@
           </a:lstStyle>
           <a:p>
             <a:r>
-              <a:rPr lang="ko-KR" altLang="en-US" dirty="0" smtClean="0"/>
+              <a:rPr lang="ko-KR" altLang="en-US" dirty="0"/>
               <a:t>마스터 제목 스타일 편집</a:t>
             </a:r>
-            <a:endParaRPr lang="ko-KR" altLang="en-US" dirty="0"/>
           </a:p>
         </p:txBody>
       </p:sp>
@@ -2044,22 +2023,10 @@
                 </a:solidFill>
                 <a:latin typeface="Century Gothic" panose="020B0502020202020204" pitchFamily="34" charset="0"/>
               </a:rPr>
-              <a:t>Prof. Youngsup Kim, </a:t>
+              <a:t>Prof. Youngsup Kim, idebtor@gmail.com, CSEE Dept., Grace School Rm204,</a:t>
             </a:r>
             <a:r>
-              <a:rPr lang="en-US" altLang="ko-KR" sz="1200" b="0" i="1" dirty="0" smtClean="0">
-                <a:solidFill>
-                  <a:schemeClr val="tx1">
-                    <a:lumMod val="50000"/>
-                    <a:lumOff val="50000"/>
-                  </a:schemeClr>
-                </a:solidFill>
-                <a:latin typeface="Century Gothic" panose="020B0502020202020204" pitchFamily="34" charset="0"/>
-              </a:rPr>
-              <a:t>idebtor@gmail.com, CSEE Dept., Grace School Rm204,</a:t>
-            </a:r>
-            <a:r>
-              <a:rPr lang="en-US" altLang="ko-KR" sz="1200" b="0" i="1" baseline="0" dirty="0" smtClean="0">
+              <a:rPr lang="en-US" altLang="ko-KR" sz="1200" b="0" i="1" baseline="0" dirty="0">
                 <a:solidFill>
                   <a:schemeClr val="tx1">
                     <a:lumMod val="50000"/>
@@ -2071,7 +2038,7 @@
               <a:t> </a:t>
             </a:r>
             <a:r>
-              <a:rPr lang="en-US" altLang="ko-KR" sz="1200" b="0" i="1" dirty="0" smtClean="0">
+              <a:rPr lang="en-US" altLang="ko-KR" sz="1200" b="0" i="1" dirty="0">
                 <a:solidFill>
                   <a:schemeClr val="tx1">
                     <a:lumMod val="50000"/>
@@ -2537,16 +2504,7 @@
                 </a:solidFill>
                 <a:effectLst/>
               </a:rPr>
-              <a:t>Chapter </a:t>
-            </a:r>
-            <a:r>
-              <a:rPr lang="en-US" altLang="ko-KR" dirty="0" smtClean="0">
-                <a:solidFill>
-                  <a:schemeClr val="tx1"/>
-                </a:solidFill>
-                <a:effectLst/>
-              </a:rPr>
-              <a:t>5 Tree</a:t>
+              <a:t>Chapter 5 Tree</a:t>
             </a:r>
             <a:endParaRPr lang="ko-KR" altLang="en-US" dirty="0">
               <a:effectLst/>
@@ -2784,7 +2742,7 @@
           <a:p>
             <a:pPr lvl="1"/>
             <a:r>
-              <a:rPr lang="en-US" altLang="ko-KR" b="1" dirty="0" smtClean="0"/>
+              <a:rPr lang="en-US" altLang="ko-KR" b="1" dirty="0"/>
               <a:t>Coding - Quizzes </a:t>
             </a:r>
           </a:p>
@@ -2794,7 +2752,7 @@
               <a:buAutoNum type="arabicPeriod"/>
             </a:pPr>
             <a:r>
-              <a:rPr lang="en-US" altLang="ko-KR" dirty="0" smtClean="0"/>
+              <a:rPr lang="en-US" altLang="ko-KR" dirty="0"/>
               <a:t>Binary search tree</a:t>
             </a:r>
           </a:p>
@@ -2804,12 +2762,8 @@
               <a:buAutoNum type="arabicPeriod"/>
             </a:pPr>
             <a:r>
-              <a:rPr lang="en-US" altLang="ko-KR" dirty="0" smtClean="0"/>
-              <a:t>Tree </a:t>
-            </a:r>
-            <a:r>
               <a:rPr lang="en-US" altLang="ko-KR" dirty="0"/>
-              <a:t>balancing</a:t>
+              <a:t>Tree balancing</a:t>
             </a:r>
           </a:p>
         </p:txBody>
@@ -2866,13 +2820,13 @@
           </a:bodyPr>
           <a:lstStyle/>
           <a:p>
-            <a:endParaRPr lang="en-US" altLang="ko-KR" sz="1800" b="1" dirty="0" smtClean="0"/>
+            <a:endParaRPr lang="en-US" altLang="ko-KR" sz="1800" b="1" dirty="0"/>
           </a:p>
           <a:p>
             <a:endParaRPr lang="en-US" altLang="ko-KR" sz="1800" b="1" dirty="0"/>
           </a:p>
           <a:p>
-            <a:endParaRPr lang="en-US" altLang="ko-KR" sz="1800" b="1" dirty="0" smtClean="0"/>
+            <a:endParaRPr lang="en-US" altLang="ko-KR" sz="1800" b="1" dirty="0"/>
           </a:p>
           <a:p>
             <a:endParaRPr lang="en-US" altLang="ko-KR" sz="1800" b="1" dirty="0"/>
@@ -2880,59 +2834,59 @@
           <a:p>
             <a:r>
               <a:rPr lang="en-US" altLang="ko-KR" sz="1800" dirty="0"/>
-              <a:t>Q1. What is the total number of the function </a:t>
+              <a:t>Q1. What is the total number of the function calls to complete with the tree and how many returns each side</a:t>
             </a:r>
             <a:r>
-              <a:rPr lang="en-US" altLang="ko-KR" sz="1800" dirty="0" smtClean="0"/>
-              <a:t>calls </a:t>
+              <a:rPr lang="ko-KR" altLang="en-US" sz="1800" dirty="0"/>
+              <a:t> </a:t>
             </a:r>
             <a:r>
               <a:rPr lang="en-US" altLang="ko-KR" sz="1800" dirty="0"/>
-              <a:t>to complete </a:t>
+              <a:t>of</a:t>
             </a:r>
             <a:r>
-              <a:rPr lang="en-US" altLang="ko-KR" sz="1800" dirty="0" smtClean="0"/>
-              <a:t>with the tree and how many returns each?</a:t>
+              <a:rPr lang="ko-KR" altLang="en-US" sz="1800" dirty="0"/>
+              <a:t> </a:t>
+            </a:r>
+            <a:r>
+              <a:rPr lang="en-US" altLang="ko-KR" sz="1800" dirty="0"/>
+              <a:t>the</a:t>
+            </a:r>
+            <a:r>
+              <a:rPr lang="ko-KR" altLang="en-US" sz="1800" dirty="0"/>
+              <a:t> </a:t>
+            </a:r>
+            <a:r>
+              <a:rPr lang="en-US" altLang="ko-KR" sz="1800" dirty="0"/>
+              <a:t>root</a:t>
+            </a:r>
+            <a:r>
+              <a:rPr lang="ko-KR" altLang="en-US" sz="1800" dirty="0"/>
+              <a:t> </a:t>
+            </a:r>
+            <a:r>
+              <a:rPr lang="en-US" altLang="ko-KR" sz="1800"/>
+              <a:t>6?</a:t>
             </a:r>
             <a:br>
-              <a:rPr lang="en-US" altLang="ko-KR" sz="1800" dirty="0" smtClean="0"/>
+              <a:rPr lang="en-US" altLang="ko-KR" sz="1800" dirty="0"/>
             </a:br>
             <a:endParaRPr lang="en-US" altLang="ko-KR" sz="1800" dirty="0"/>
           </a:p>
           <a:p>
             <a:r>
               <a:rPr lang="en-US" altLang="ko-KR" sz="1800" dirty="0"/>
-              <a:t>Q2. Which node invokes the </a:t>
-            </a:r>
-            <a:r>
-              <a:rPr lang="en-US" altLang="ko-KR" sz="1800" dirty="0" smtClean="0"/>
-              <a:t>last </a:t>
-            </a:r>
-            <a:r>
-              <a:rPr lang="en-US" altLang="ko-KR" sz="1800" dirty="0"/>
-              <a:t>function call? </a:t>
-            </a:r>
-            <a:r>
-              <a:rPr lang="en-US" altLang="ko-KR" sz="1800" dirty="0" smtClean="0"/>
-              <a:t/>
+              <a:t>Q2. Which node invokes the last function call? </a:t>
             </a:r>
             <a:br>
-              <a:rPr lang="en-US" altLang="ko-KR" sz="1800" dirty="0" smtClean="0"/>
+              <a:rPr lang="en-US" altLang="ko-KR" sz="1800" dirty="0"/>
             </a:br>
             <a:endParaRPr lang="en-US" altLang="ko-KR" sz="1800" dirty="0"/>
           </a:p>
           <a:p>
             <a:r>
               <a:rPr lang="en-US" altLang="ko-KR" sz="1800" dirty="0"/>
-              <a:t>Q3. Which node finishes </a:t>
-            </a:r>
-            <a:r>
-              <a:rPr lang="en-US" altLang="ko-KR" sz="1800" dirty="0" smtClean="0"/>
-              <a:t>its </a:t>
-            </a:r>
-            <a:r>
-              <a:rPr lang="en-US" altLang="ko-KR" sz="1800" dirty="0"/>
-              <a:t>size function call and returns size = 1 for the first time?</a:t>
+              <a:t>Q3. Which node finishes its size function call and returns size = 1 for the first time?</a:t>
             </a:r>
           </a:p>
           <a:p>
@@ -2959,7 +2913,7 @@
           <a:lstStyle/>
           <a:p>
             <a:r>
-              <a:rPr lang="en-US" altLang="ko-KR" dirty="0" smtClean="0"/>
+              <a:rPr lang="en-US" altLang="ko-KR" dirty="0"/>
               <a:t>Operations: size()</a:t>
             </a:r>
             <a:endParaRPr lang="ko-KR" altLang="en-US" dirty="0"/>
@@ -3033,74 +2987,32 @@
               <a:rPr lang="en-US" altLang="ko-KR" sz="1600" dirty="0">
                 <a:latin typeface="Consolas" panose="020B0609020204030204" pitchFamily="49" charset="0"/>
               </a:rPr>
-              <a:t>// </a:t>
+              <a:t>// returns the number of nodes in the binary tree </a:t>
             </a:r>
-            <a:r>
-              <a:rPr lang="en-US" altLang="ko-KR" sz="1600" dirty="0" smtClean="0">
-                <a:latin typeface="Consolas" panose="020B0609020204030204" pitchFamily="49" charset="0"/>
-              </a:rPr>
-              <a:t>returns the number of nodes in the </a:t>
-            </a:r>
+          </a:p>
+          <a:p>
             <a:r>
               <a:rPr lang="en-US" altLang="ko-KR" sz="1600" dirty="0">
                 <a:latin typeface="Consolas" panose="020B0609020204030204" pitchFamily="49" charset="0"/>
               </a:rPr>
-              <a:t>binary tree </a:t>
+              <a:t>int size(tree node) {</a:t>
             </a:r>
-            <a:endParaRPr lang="en-US" altLang="ko-KR" sz="1600" dirty="0" smtClean="0">
-              <a:latin typeface="Consolas" panose="020B0609020204030204" pitchFamily="49" charset="0"/>
-            </a:endParaRPr>
           </a:p>
           <a:p>
-            <a:r>
-              <a:rPr lang="en-US" altLang="ko-KR" sz="1600" dirty="0" smtClean="0">
-                <a:latin typeface="Consolas" panose="020B0609020204030204" pitchFamily="49" charset="0"/>
-              </a:rPr>
-              <a:t>int </a:t>
-            </a:r>
             <a:r>
               <a:rPr lang="en-US" altLang="ko-KR" sz="1600" dirty="0">
                 <a:latin typeface="Consolas" panose="020B0609020204030204" pitchFamily="49" charset="0"/>
               </a:rPr>
-              <a:t>size(tree node) {</a:t>
+              <a:t>  if (empty(node)) return 0;</a:t>
             </a:r>
           </a:p>
           <a:p>
             <a:r>
-              <a:rPr lang="en-US" altLang="ko-KR" sz="1600" dirty="0" smtClean="0">
-                <a:latin typeface="Consolas" panose="020B0609020204030204" pitchFamily="49" charset="0"/>
-              </a:rPr>
-              <a:t>  if </a:t>
-            </a:r>
-            <a:r>
               <a:rPr lang="en-US" altLang="ko-KR" sz="1600" dirty="0">
                 <a:latin typeface="Consolas" panose="020B0609020204030204" pitchFamily="49" charset="0"/>
               </a:rPr>
-              <a:t>(empty(node)) return 0;</a:t>
+              <a:t>  return size(node-&gt;left) + size(node-&gt;right) + 1;</a:t>
             </a:r>
-          </a:p>
-          <a:p>
-            <a:r>
-              <a:rPr lang="en-US" altLang="ko-KR" sz="1600" dirty="0" smtClean="0">
-                <a:latin typeface="Consolas" panose="020B0609020204030204" pitchFamily="49" charset="0"/>
-              </a:rPr>
-              <a:t>  return size(node-</a:t>
-            </a:r>
-            <a:r>
-              <a:rPr lang="en-US" altLang="ko-KR" sz="1600" dirty="0">
-                <a:latin typeface="Consolas" panose="020B0609020204030204" pitchFamily="49" charset="0"/>
-              </a:rPr>
-              <a:t>&gt;left) + size(node-&gt;right</a:t>
-            </a:r>
-            <a:r>
-              <a:rPr lang="en-US" altLang="ko-KR" sz="1600" dirty="0" smtClean="0">
-                <a:latin typeface="Consolas" panose="020B0609020204030204" pitchFamily="49" charset="0"/>
-              </a:rPr>
-              <a:t>) + 1;</a:t>
-            </a:r>
-            <a:endParaRPr lang="en-US" altLang="ko-KR" sz="1600" dirty="0">
-              <a:latin typeface="Consolas" panose="020B0609020204030204" pitchFamily="49" charset="0"/>
-            </a:endParaRPr>
           </a:p>
           <a:p>
             <a:r>
@@ -3181,7 +3093,7 @@
               <a:p>
                 <a:pPr algn="ctr"/>
                 <a:r>
-                  <a:rPr lang="en-US" altLang="ko-KR" dirty="0" smtClean="0">
+                  <a:rPr lang="en-US" altLang="ko-KR" dirty="0">
                     <a:latin typeface="Century Gothic" panose="020B0502020202020204" pitchFamily="34" charset="0"/>
                   </a:rPr>
                   <a:t>4</a:t>
@@ -3232,7 +3144,7 @@
               <a:p>
                 <a:pPr algn="ctr"/>
                 <a:r>
-                  <a:rPr lang="en-US" altLang="ko-KR" dirty="0" smtClean="0">
+                  <a:rPr lang="en-US" altLang="ko-KR" dirty="0">
                     <a:latin typeface="Century Gothic" panose="020B0502020202020204" pitchFamily="34" charset="0"/>
                   </a:rPr>
                   <a:t>9</a:t>
@@ -3334,7 +3246,7 @@
               <a:p>
                 <a:pPr algn="ctr"/>
                 <a:r>
-                  <a:rPr lang="en-US" altLang="ko-KR" dirty="0" smtClean="0">
+                  <a:rPr lang="en-US" altLang="ko-KR" dirty="0">
                     <a:latin typeface="Century Gothic" panose="020B0502020202020204" pitchFamily="34" charset="0"/>
                   </a:rPr>
                   <a:t>6</a:t>
@@ -3385,7 +3297,7 @@
               <a:p>
                 <a:pPr algn="ctr"/>
                 <a:r>
-                  <a:rPr lang="en-US" altLang="ko-KR" dirty="0" smtClean="0">
+                  <a:rPr lang="en-US" altLang="ko-KR" dirty="0">
                     <a:latin typeface="Century Gothic" panose="020B0502020202020204" pitchFamily="34" charset="0"/>
                   </a:rPr>
                   <a:t>5</a:t>
@@ -3436,7 +3348,7 @@
               <a:p>
                 <a:pPr algn="ctr"/>
                 <a:r>
-                  <a:rPr lang="en-US" altLang="ko-KR" dirty="0" smtClean="0">
+                  <a:rPr lang="en-US" altLang="ko-KR" dirty="0">
                     <a:latin typeface="Century Gothic" panose="020B0502020202020204" pitchFamily="34" charset="0"/>
                   </a:rPr>
                   <a:t>7</a:t>
@@ -3487,7 +3399,7 @@
               <a:p>
                 <a:pPr algn="ctr"/>
                 <a:r>
-                  <a:rPr lang="en-US" altLang="ko-KR" dirty="0" smtClean="0">
+                  <a:rPr lang="en-US" altLang="ko-KR" dirty="0">
                     <a:latin typeface="Century Gothic" panose="020B0502020202020204" pitchFamily="34" charset="0"/>
                   </a:rPr>
                   <a:t>3</a:t>
@@ -3538,7 +3450,7 @@
               <a:p>
                 <a:pPr algn="ctr"/>
                 <a:r>
-                  <a:rPr lang="en-US" altLang="ko-KR" dirty="0" smtClean="0">
+                  <a:rPr lang="en-US" altLang="ko-KR" dirty="0">
                     <a:latin typeface="Century Gothic" panose="020B0502020202020204" pitchFamily="34" charset="0"/>
                   </a:rPr>
                   <a:t>1</a:t>
@@ -3589,7 +3501,7 @@
               <a:p>
                 <a:pPr algn="ctr"/>
                 <a:r>
-                  <a:rPr lang="en-US" altLang="ko-KR" dirty="0" smtClean="0">
+                  <a:rPr lang="en-US" altLang="ko-KR" dirty="0">
                     <a:latin typeface="Century Gothic" panose="020B0502020202020204" pitchFamily="34" charset="0"/>
                   </a:rPr>
                   <a:t>2</a:t>
@@ -5834,45 +5746,33 @@
           </a:bodyPr>
           <a:lstStyle/>
           <a:p>
-            <a:endParaRPr lang="en-US" altLang="ko-KR" sz="1800" b="1" dirty="0" smtClean="0"/>
+            <a:endParaRPr lang="en-US" altLang="ko-KR" sz="1800" b="1" dirty="0"/>
           </a:p>
           <a:p>
             <a:endParaRPr lang="en-US" altLang="ko-KR" sz="1800" b="1" dirty="0"/>
           </a:p>
           <a:p>
-            <a:endParaRPr lang="en-US" altLang="ko-KR" sz="1800" b="1" dirty="0" smtClean="0"/>
+            <a:endParaRPr lang="en-US" altLang="ko-KR" sz="1800" b="1" dirty="0"/>
           </a:p>
           <a:p>
             <a:endParaRPr lang="en-US" altLang="ko-KR" sz="1800" b="1" dirty="0"/>
           </a:p>
           <a:p>
-            <a:endParaRPr lang="en-US" altLang="ko-KR" sz="1800" b="1" dirty="0" smtClean="0"/>
+            <a:endParaRPr lang="en-US" altLang="ko-KR" sz="1800" b="1" dirty="0"/>
           </a:p>
           <a:p>
             <a:endParaRPr lang="en-US" altLang="ko-KR" sz="1800" b="1" dirty="0"/>
           </a:p>
           <a:p>
-            <a:endParaRPr lang="en-US" altLang="ko-KR" sz="1800" dirty="0" smtClean="0"/>
+            <a:endParaRPr lang="en-US" altLang="ko-KR" sz="1800" dirty="0"/>
           </a:p>
           <a:p>
             <a:r>
-              <a:rPr lang="en-US" altLang="ko-KR" sz="1800" dirty="0" smtClean="0"/>
-              <a:t>Q1</a:t>
-            </a:r>
-            <a:r>
               <a:rPr lang="en-US" altLang="ko-KR" sz="1800" dirty="0"/>
-              <a:t>. What is the total number of the function call to complete with the tree below? </a:t>
-            </a:r>
-            <a:r>
-              <a:rPr lang="en-US" altLang="ko-KR" sz="1800" b="1" dirty="0" smtClean="0">
-                <a:solidFill>
-                  <a:srgbClr val="C00000"/>
-                </a:solidFill>
-              </a:rPr>
-              <a:t/>
+              <a:t>Q1. What is the total number of the function call to complete with the tree below? </a:t>
             </a:r>
             <a:br>
-              <a:rPr lang="en-US" altLang="ko-KR" sz="1800" b="1" dirty="0" smtClean="0">
+              <a:rPr lang="en-US" altLang="ko-KR" sz="1800" b="1" dirty="0">
                 <a:solidFill>
                   <a:srgbClr val="C00000"/>
                 </a:solidFill>
@@ -5887,59 +5787,42 @@
           <a:p>
             <a:r>
               <a:rPr lang="en-US" altLang="ko-KR" sz="1800" dirty="0"/>
-              <a:t>Q2. </a:t>
+              <a:t>Q2. What is the return value of the 10</a:t>
             </a:r>
             <a:r>
-              <a:rPr lang="en-US" altLang="ko-KR" sz="1800" dirty="0" smtClean="0"/>
-              <a:t>What is the return value of the 10</a:t>
-            </a:r>
-            <a:r>
-              <a:rPr lang="en-US" altLang="ko-KR" sz="1800" baseline="30000" dirty="0" smtClean="0"/>
+              <a:rPr lang="en-US" altLang="ko-KR" sz="1800" baseline="30000" dirty="0"/>
               <a:t>th</a:t>
             </a:r>
             <a:r>
-              <a:rPr lang="en-US" altLang="ko-KR" sz="1800" dirty="0" smtClean="0"/>
+              <a:rPr lang="en-US" altLang="ko-KR" sz="1800" dirty="0"/>
               <a:t> and 12</a:t>
             </a:r>
             <a:r>
-              <a:rPr lang="en-US" altLang="ko-KR" sz="1800" baseline="30000" dirty="0" smtClean="0"/>
+              <a:rPr lang="en-US" altLang="ko-KR" sz="1800" baseline="30000" dirty="0"/>
               <a:t>th</a:t>
             </a:r>
             <a:r>
-              <a:rPr lang="en-US" altLang="ko-KR" sz="1800" dirty="0" smtClean="0"/>
+              <a:rPr lang="en-US" altLang="ko-KR" sz="1800" dirty="0"/>
               <a:t> function call?  </a:t>
             </a:r>
-            <a:r>
-              <a:rPr lang="en-US" altLang="ko-KR" sz="1800" b="1" dirty="0" smtClean="0"/>
-              <a:t/>
-            </a:r>
             <a:br>
-              <a:rPr lang="en-US" altLang="ko-KR" sz="1800" b="1" dirty="0" smtClean="0"/>
+              <a:rPr lang="en-US" altLang="ko-KR" sz="1800" b="1" dirty="0"/>
             </a:br>
-            <a:endParaRPr lang="en-US" altLang="ko-KR" sz="1800" b="1" dirty="0" smtClean="0"/>
+            <a:endParaRPr lang="en-US" altLang="ko-KR" sz="1800" b="1" dirty="0"/>
           </a:p>
           <a:p>
             <a:r>
               <a:rPr lang="en-US" altLang="ko-KR" sz="1800" dirty="0"/>
-              <a:t>Q3. What is the return value of the node </a:t>
+              <a:t>Q3. What is the return value of the node 2? </a:t>
             </a:r>
             <a:r>
-              <a:rPr lang="en-US" altLang="ko-KR" sz="1800" dirty="0" smtClean="0"/>
-              <a:t>2? </a:t>
-            </a:r>
-            <a:r>
-              <a:rPr lang="en-US" altLang="ko-KR" sz="1800" b="1" dirty="0" smtClean="0">
+              <a:rPr lang="en-US" altLang="ko-KR" sz="1800" b="1" dirty="0">
                 <a:solidFill>
                   <a:srgbClr val="C00000"/>
                 </a:solidFill>
               </a:rPr>
               <a:t> </a:t>
             </a:r>
-            <a:endParaRPr lang="en-US" altLang="ko-KR" sz="1800" b="1" dirty="0">
-              <a:solidFill>
-                <a:srgbClr val="C00000"/>
-              </a:solidFill>
-            </a:endParaRPr>
           </a:p>
           <a:p>
             <a:endParaRPr lang="ko-KR" altLang="en-US" sz="1800" b="1" dirty="0"/>
@@ -5962,7 +5845,7 @@
           <a:lstStyle/>
           <a:p>
             <a:r>
-              <a:rPr lang="en-US" altLang="ko-KR" dirty="0" smtClean="0"/>
+              <a:rPr lang="en-US" altLang="ko-KR" dirty="0"/>
               <a:t>Operations: height()</a:t>
             </a:r>
             <a:endParaRPr lang="ko-KR" altLang="en-US" dirty="0"/>
@@ -6036,36 +5919,15 @@
               <a:rPr lang="en-US" altLang="ko-KR" sz="1600" dirty="0">
                 <a:latin typeface="Consolas" panose="020B0609020204030204" pitchFamily="49" charset="0"/>
               </a:rPr>
-              <a:t>// </a:t>
+              <a:t>// returns the max depth of a tree. </a:t>
             </a:r>
-            <a:r>
-              <a:rPr lang="en-US" altLang="ko-KR" sz="1600" dirty="0" smtClean="0">
-                <a:latin typeface="Consolas" panose="020B0609020204030204" pitchFamily="49" charset="0"/>
-              </a:rPr>
-              <a:t>returns </a:t>
-            </a:r>
+          </a:p>
+          <a:p>
             <a:r>
               <a:rPr lang="en-US" altLang="ko-KR" sz="1600" dirty="0">
                 <a:latin typeface="Consolas" panose="020B0609020204030204" pitchFamily="49" charset="0"/>
               </a:rPr>
-              <a:t>the max depth of a tree. </a:t>
-            </a:r>
-            <a:endParaRPr lang="en-US" altLang="ko-KR" sz="1600" dirty="0" smtClean="0">
-              <a:latin typeface="Consolas" panose="020B0609020204030204" pitchFamily="49" charset="0"/>
-            </a:endParaRPr>
-          </a:p>
-          <a:p>
-            <a:r>
-              <a:rPr lang="en-US" altLang="ko-KR" sz="1600" dirty="0" smtClean="0">
-                <a:latin typeface="Consolas" panose="020B0609020204030204" pitchFamily="49" charset="0"/>
-              </a:rPr>
-              <a:t>// </a:t>
-            </a:r>
-            <a:r>
-              <a:rPr lang="en-US" altLang="ko-KR" sz="1600" dirty="0">
-                <a:latin typeface="Consolas" panose="020B0609020204030204" pitchFamily="49" charset="0"/>
-              </a:rPr>
-              <a:t>height = -1 for empty tree, 0 for root only tree</a:t>
+              <a:t>// height = -1 for empty tree, 0 for root only tree</a:t>
             </a:r>
           </a:p>
           <a:p>
@@ -6078,68 +5940,35 @@
           </a:p>
           <a:p>
             <a:r>
-              <a:rPr lang="en-US" altLang="ko-KR" sz="1600" dirty="0" smtClean="0">
+              <a:rPr lang="en-US" altLang="ko-KR" sz="1600" dirty="0">
                 <a:latin typeface="Consolas" panose="020B0609020204030204" pitchFamily="49" charset="0"/>
               </a:rPr>
-              <a:t>  if </a:t>
+              <a:t>  if (empty(node)) return -1;</a:t>
             </a:r>
+          </a:p>
+          <a:p>
             <a:r>
               <a:rPr lang="en-US" altLang="ko-KR" sz="1600" dirty="0">
                 <a:latin typeface="Consolas" panose="020B0609020204030204" pitchFamily="49" charset="0"/>
               </a:rPr>
-              <a:t>(empty(node)) return -1;</a:t>
+              <a:t>  int left  = height(node-&gt;left);</a:t>
             </a:r>
           </a:p>
           <a:p>
             <a:r>
-              <a:rPr lang="en-US" altLang="ko-KR" sz="1600" dirty="0" smtClean="0">
+              <a:rPr lang="en-US" altLang="ko-KR" sz="1600" dirty="0">
                 <a:latin typeface="Consolas" panose="020B0609020204030204" pitchFamily="49" charset="0"/>
               </a:rPr>
-              <a:t>  int left  </a:t>
+              <a:t>  int right = height(node-&gt;right);</a:t>
             </a:r>
+          </a:p>
+          <a:p>
             <a:r>
               <a:rPr lang="en-US" altLang="ko-KR" sz="1600" dirty="0">
                 <a:latin typeface="Consolas" panose="020B0609020204030204" pitchFamily="49" charset="0"/>
               </a:rPr>
-              <a:t>= height(node-&gt;left);</a:t>
+              <a:t>  return max(left, right) + 1;</a:t>
             </a:r>
-          </a:p>
-          <a:p>
-            <a:r>
-              <a:rPr lang="en-US" altLang="ko-KR" sz="1600" dirty="0" smtClean="0">
-                <a:latin typeface="Consolas" panose="020B0609020204030204" pitchFamily="49" charset="0"/>
-              </a:rPr>
-              <a:t>  int </a:t>
-            </a:r>
-            <a:r>
-              <a:rPr lang="en-US" altLang="ko-KR" sz="1600" dirty="0">
-                <a:latin typeface="Consolas" panose="020B0609020204030204" pitchFamily="49" charset="0"/>
-              </a:rPr>
-              <a:t>right = height(node-&gt;right);</a:t>
-            </a:r>
-          </a:p>
-          <a:p>
-            <a:r>
-              <a:rPr lang="en-US" altLang="ko-KR" sz="1600" dirty="0" smtClean="0">
-                <a:latin typeface="Consolas" panose="020B0609020204030204" pitchFamily="49" charset="0"/>
-              </a:rPr>
-              <a:t>  return max(left, </a:t>
-            </a:r>
-            <a:r>
-              <a:rPr lang="en-US" altLang="ko-KR" sz="1600" dirty="0">
-                <a:latin typeface="Consolas" panose="020B0609020204030204" pitchFamily="49" charset="0"/>
-              </a:rPr>
-              <a:t>r</a:t>
-            </a:r>
-            <a:r>
-              <a:rPr lang="en-US" altLang="ko-KR" sz="1600" dirty="0" smtClean="0">
-                <a:latin typeface="Consolas" panose="020B0609020204030204" pitchFamily="49" charset="0"/>
-              </a:rPr>
-              <a:t>ight) + 1;</a:t>
-            </a:r>
-            <a:endParaRPr lang="en-US" altLang="ko-KR" sz="1600" dirty="0">
-              <a:latin typeface="Consolas" panose="020B0609020204030204" pitchFamily="49" charset="0"/>
-            </a:endParaRPr>
           </a:p>
           <a:p>
             <a:r>
@@ -6220,7 +6049,7 @@
               <a:p>
                 <a:pPr algn="ctr"/>
                 <a:r>
-                  <a:rPr lang="en-US" altLang="ko-KR" dirty="0" smtClean="0">
+                  <a:rPr lang="en-US" altLang="ko-KR" dirty="0">
                     <a:latin typeface="Century Gothic" panose="020B0502020202020204" pitchFamily="34" charset="0"/>
                   </a:rPr>
                   <a:t>4</a:t>
@@ -6271,7 +6100,7 @@
               <a:p>
                 <a:pPr algn="ctr"/>
                 <a:r>
-                  <a:rPr lang="en-US" altLang="ko-KR" dirty="0" smtClean="0">
+                  <a:rPr lang="en-US" altLang="ko-KR" dirty="0">
                     <a:latin typeface="Century Gothic" panose="020B0502020202020204" pitchFamily="34" charset="0"/>
                   </a:rPr>
                   <a:t>9</a:t>
@@ -6373,7 +6202,7 @@
               <a:p>
                 <a:pPr algn="ctr"/>
                 <a:r>
-                  <a:rPr lang="en-US" altLang="ko-KR" dirty="0" smtClean="0">
+                  <a:rPr lang="en-US" altLang="ko-KR" dirty="0">
                     <a:latin typeface="Century Gothic" panose="020B0502020202020204" pitchFamily="34" charset="0"/>
                   </a:rPr>
                   <a:t>6</a:t>
@@ -6424,7 +6253,7 @@
               <a:p>
                 <a:pPr algn="ctr"/>
                 <a:r>
-                  <a:rPr lang="en-US" altLang="ko-KR" dirty="0" smtClean="0">
+                  <a:rPr lang="en-US" altLang="ko-KR" dirty="0">
                     <a:latin typeface="Century Gothic" panose="020B0502020202020204" pitchFamily="34" charset="0"/>
                   </a:rPr>
                   <a:t>5</a:t>
@@ -6475,7 +6304,7 @@
               <a:p>
                 <a:pPr algn="ctr"/>
                 <a:r>
-                  <a:rPr lang="en-US" altLang="ko-KR" dirty="0" smtClean="0">
+                  <a:rPr lang="en-US" altLang="ko-KR" dirty="0">
                     <a:latin typeface="Century Gothic" panose="020B0502020202020204" pitchFamily="34" charset="0"/>
                   </a:rPr>
                   <a:t>7</a:t>
@@ -6526,7 +6355,7 @@
               <a:p>
                 <a:pPr algn="ctr"/>
                 <a:r>
-                  <a:rPr lang="en-US" altLang="ko-KR" dirty="0" smtClean="0">
+                  <a:rPr lang="en-US" altLang="ko-KR" dirty="0">
                     <a:latin typeface="Century Gothic" panose="020B0502020202020204" pitchFamily="34" charset="0"/>
                   </a:rPr>
                   <a:t>3</a:t>
@@ -6577,7 +6406,7 @@
               <a:p>
                 <a:pPr algn="ctr"/>
                 <a:r>
-                  <a:rPr lang="en-US" altLang="ko-KR" dirty="0" smtClean="0">
+                  <a:rPr lang="en-US" altLang="ko-KR" dirty="0">
                     <a:latin typeface="Century Gothic" panose="020B0502020202020204" pitchFamily="34" charset="0"/>
                   </a:rPr>
                   <a:t>1</a:t>
@@ -6628,7 +6457,7 @@
               <a:p>
                 <a:pPr algn="ctr"/>
                 <a:r>
-                  <a:rPr lang="en-US" altLang="ko-KR" dirty="0" smtClean="0">
+                  <a:rPr lang="en-US" altLang="ko-KR" dirty="0">
                     <a:latin typeface="Century Gothic" panose="020B0502020202020204" pitchFamily="34" charset="0"/>
                   </a:rPr>
                   <a:t>2</a:t>
@@ -8867,23 +8696,23 @@
           <a:lstStyle/>
           <a:p>
             <a:r>
-              <a:rPr lang="en-US" altLang="ko-KR" dirty="0" smtClean="0"/>
+              <a:rPr lang="en-US" altLang="ko-KR" dirty="0"/>
               <a:t>Operations: </a:t>
             </a:r>
             <a:r>
-              <a:rPr lang="en-US" altLang="ko-KR" dirty="0" err="1" smtClean="0"/>
+              <a:rPr lang="en-US" altLang="ko-KR" dirty="0" err="1"/>
               <a:t>containsBT</a:t>
             </a:r>
             <a:r>
-              <a:rPr lang="en-US" altLang="ko-KR" dirty="0" smtClean="0"/>
+              <a:rPr lang="en-US" altLang="ko-KR" dirty="0"/>
               <a:t>(), </a:t>
             </a:r>
             <a:r>
-              <a:rPr lang="en-US" altLang="ko-KR" dirty="0" err="1" smtClean="0"/>
+              <a:rPr lang="en-US" altLang="ko-KR" dirty="0" err="1"/>
               <a:t>findBT</a:t>
             </a:r>
             <a:r>
-              <a:rPr lang="en-US" altLang="ko-KR" dirty="0" smtClean="0"/>
+              <a:rPr lang="en-US" altLang="ko-KR" dirty="0"/>
               <a:t>()</a:t>
             </a:r>
             <a:endParaRPr lang="ko-KR" altLang="en-US" dirty="0"/>
@@ -8957,86 +8786,44 @@
               <a:rPr lang="en-US" altLang="ko-KR" sz="1600" dirty="0">
                 <a:latin typeface="Consolas" panose="020B0609020204030204" pitchFamily="49" charset="0"/>
               </a:rPr>
-              <a:t>// returns </a:t>
-            </a:r>
-            <a:r>
-              <a:rPr lang="en-US" altLang="ko-KR" sz="1600" dirty="0" smtClean="0">
-                <a:latin typeface="Consolas" panose="020B0609020204030204" pitchFamily="49" charset="0"/>
-              </a:rPr>
-              <a:t>true if key is in a given binary tree, false otherwise.</a:t>
+              <a:t>// returns true if key is in a given binary tree, false otherwise.</a:t>
             </a:r>
           </a:p>
           <a:p>
             <a:r>
-              <a:rPr lang="en-US" altLang="ko-KR" sz="1600" dirty="0" smtClean="0">
+              <a:rPr lang="en-US" altLang="ko-KR" sz="1600" dirty="0">
                 <a:latin typeface="Consolas" panose="020B0609020204030204" pitchFamily="49" charset="0"/>
               </a:rPr>
               <a:t>bool </a:t>
             </a:r>
             <a:r>
-              <a:rPr lang="en-US" altLang="ko-KR" sz="1600" dirty="0" err="1" smtClean="0">
+              <a:rPr lang="en-US" altLang="ko-KR" sz="1600" dirty="0" err="1">
                 <a:latin typeface="Consolas" panose="020B0609020204030204" pitchFamily="49" charset="0"/>
               </a:rPr>
               <a:t>containsBT</a:t>
             </a:r>
             <a:r>
-              <a:rPr lang="en-US" altLang="ko-KR" sz="1600" dirty="0" smtClean="0">
+              <a:rPr lang="en-US" altLang="ko-KR" sz="1600" dirty="0">
                 <a:latin typeface="Consolas" panose="020B0609020204030204" pitchFamily="49" charset="0"/>
               </a:rPr>
-              <a:t>(tree </a:t>
+              <a:t>(tree root, int key) {</a:t>
             </a:r>
+          </a:p>
+          <a:p>
             <a:r>
               <a:rPr lang="en-US" altLang="ko-KR" sz="1600" dirty="0">
                 <a:latin typeface="Consolas" panose="020B0609020204030204" pitchFamily="49" charset="0"/>
               </a:rPr>
-              <a:t>root, int key) {</a:t>
+              <a:t>  if (empty(root)) return false;</a:t>
             </a:r>
           </a:p>
           <a:p>
             <a:r>
-              <a:rPr lang="en-US" altLang="ko-KR" sz="1600" dirty="0" smtClean="0">
-                <a:latin typeface="Consolas" panose="020B0609020204030204" pitchFamily="49" charset="0"/>
-              </a:rPr>
-              <a:t>  if </a:t>
-            </a:r>
-            <a:r>
               <a:rPr lang="en-US" altLang="ko-KR" sz="1600" dirty="0">
                 <a:latin typeface="Consolas" panose="020B0609020204030204" pitchFamily="49" charset="0"/>
               </a:rPr>
-              <a:t>(empty(root)) return </a:t>
+              <a:t>  if (key == root-&gt;key) return true;</a:t>
             </a:r>
-            <a:r>
-              <a:rPr lang="en-US" altLang="ko-KR" sz="1600" dirty="0" smtClean="0">
-                <a:latin typeface="Consolas" panose="020B0609020204030204" pitchFamily="49" charset="0"/>
-              </a:rPr>
-              <a:t>false;</a:t>
-            </a:r>
-            <a:endParaRPr lang="en-US" altLang="ko-KR" sz="1600" dirty="0">
-              <a:latin typeface="Consolas" panose="020B0609020204030204" pitchFamily="49" charset="0"/>
-            </a:endParaRPr>
-          </a:p>
-          <a:p>
-            <a:r>
-              <a:rPr lang="en-US" altLang="ko-KR" sz="1600" dirty="0" smtClean="0">
-                <a:latin typeface="Consolas" panose="020B0609020204030204" pitchFamily="49" charset="0"/>
-              </a:rPr>
-              <a:t>  if </a:t>
-            </a:r>
-            <a:r>
-              <a:rPr lang="en-US" altLang="ko-KR" sz="1600" dirty="0">
-                <a:latin typeface="Consolas" panose="020B0609020204030204" pitchFamily="49" charset="0"/>
-              </a:rPr>
-              <a:t>(key == root-&gt;key) return </a:t>
-            </a:r>
-            <a:r>
-              <a:rPr lang="en-US" altLang="ko-KR" sz="1600" dirty="0" smtClean="0">
-                <a:latin typeface="Consolas" panose="020B0609020204030204" pitchFamily="49" charset="0"/>
-              </a:rPr>
-              <a:t>true;</a:t>
-            </a:r>
-            <a:endParaRPr lang="en-US" altLang="ko-KR" sz="1600" dirty="0">
-              <a:latin typeface="Consolas" panose="020B0609020204030204" pitchFamily="49" charset="0"/>
-            </a:endParaRPr>
           </a:p>
           <a:p>
             <a:endParaRPr lang="en-US" altLang="ko-KR" sz="1600" dirty="0">
@@ -9045,7 +8832,7 @@
           </a:p>
           <a:p>
             <a:r>
-              <a:rPr lang="en-US" altLang="ko-KR" sz="1600" dirty="0" smtClean="0">
+              <a:rPr lang="en-US" altLang="ko-KR" sz="1600" dirty="0">
                 <a:latin typeface="Consolas" panose="020B0609020204030204" pitchFamily="49" charset="0"/>
               </a:rPr>
               <a:t>  return </a:t>
@@ -9060,31 +8847,19 @@
               <a:rPr lang="en-US" altLang="ko-KR" sz="1600" dirty="0">
                 <a:latin typeface="Consolas" panose="020B0609020204030204" pitchFamily="49" charset="0"/>
               </a:rPr>
-              <a:t>(root-&gt;left, key</a:t>
+              <a:t>(root-&gt;left, key) || </a:t>
             </a:r>
             <a:r>
-              <a:rPr lang="en-US" altLang="ko-KR" sz="1600" dirty="0" smtClean="0">
-                <a:latin typeface="Consolas" panose="020B0609020204030204" pitchFamily="49" charset="0"/>
-              </a:rPr>
-              <a:t>) || </a:t>
-            </a:r>
-            <a:r>
-              <a:rPr lang="en-US" altLang="ko-KR" sz="1600" dirty="0" err="1" smtClean="0">
+              <a:rPr lang="en-US" altLang="ko-KR" sz="1600" dirty="0" err="1">
                 <a:latin typeface="Consolas" panose="020B0609020204030204" pitchFamily="49" charset="0"/>
               </a:rPr>
               <a:t>containsBT</a:t>
             </a:r>
             <a:r>
-              <a:rPr lang="en-US" altLang="ko-KR" sz="1600" dirty="0" smtClean="0">
-                <a:latin typeface="Consolas" panose="020B0609020204030204" pitchFamily="49" charset="0"/>
-              </a:rPr>
-              <a:t>(root-</a:t>
-            </a:r>
-            <a:r>
               <a:rPr lang="en-US" altLang="ko-KR" sz="1600" dirty="0">
                 <a:latin typeface="Consolas" panose="020B0609020204030204" pitchFamily="49" charset="0"/>
               </a:rPr>
-              <a:t>&gt;right, key);</a:t>
+              <a:t>(root-&gt;right, key);</a:t>
             </a:r>
           </a:p>
           <a:p>
@@ -9166,7 +8941,7 @@
               <a:p>
                 <a:pPr algn="ctr"/>
                 <a:r>
-                  <a:rPr lang="en-US" altLang="ko-KR" dirty="0" smtClean="0">
+                  <a:rPr lang="en-US" altLang="ko-KR" dirty="0">
                     <a:latin typeface="Century Gothic" panose="020B0502020202020204" pitchFamily="34" charset="0"/>
                   </a:rPr>
                   <a:t>4</a:t>
@@ -9217,7 +8992,7 @@
               <a:p>
                 <a:pPr algn="ctr"/>
                 <a:r>
-                  <a:rPr lang="en-US" altLang="ko-KR" dirty="0" smtClean="0">
+                  <a:rPr lang="en-US" altLang="ko-KR" dirty="0">
                     <a:latin typeface="Century Gothic" panose="020B0502020202020204" pitchFamily="34" charset="0"/>
                   </a:rPr>
                   <a:t>9</a:t>
@@ -9319,7 +9094,7 @@
               <a:p>
                 <a:pPr algn="ctr"/>
                 <a:r>
-                  <a:rPr lang="en-US" altLang="ko-KR" dirty="0" smtClean="0">
+                  <a:rPr lang="en-US" altLang="ko-KR" dirty="0">
                     <a:latin typeface="Century Gothic" panose="020B0502020202020204" pitchFamily="34" charset="0"/>
                   </a:rPr>
                   <a:t>6</a:t>
@@ -9370,7 +9145,7 @@
               <a:p>
                 <a:pPr algn="ctr"/>
                 <a:r>
-                  <a:rPr lang="en-US" altLang="ko-KR" dirty="0" smtClean="0">
+                  <a:rPr lang="en-US" altLang="ko-KR" dirty="0">
                     <a:latin typeface="Century Gothic" panose="020B0502020202020204" pitchFamily="34" charset="0"/>
                   </a:rPr>
                   <a:t>5</a:t>
@@ -9421,7 +9196,7 @@
               <a:p>
                 <a:pPr algn="ctr"/>
                 <a:r>
-                  <a:rPr lang="en-US" altLang="ko-KR" dirty="0" smtClean="0">
+                  <a:rPr lang="en-US" altLang="ko-KR" dirty="0">
                     <a:latin typeface="Century Gothic" panose="020B0502020202020204" pitchFamily="34" charset="0"/>
                   </a:rPr>
                   <a:t>7</a:t>
@@ -9472,7 +9247,7 @@
               <a:p>
                 <a:pPr algn="ctr"/>
                 <a:r>
-                  <a:rPr lang="en-US" altLang="ko-KR" dirty="0" smtClean="0">
+                  <a:rPr lang="en-US" altLang="ko-KR" dirty="0">
                     <a:latin typeface="Century Gothic" panose="020B0502020202020204" pitchFamily="34" charset="0"/>
                   </a:rPr>
                   <a:t>3</a:t>
@@ -9523,7 +9298,7 @@
               <a:p>
                 <a:pPr algn="ctr"/>
                 <a:r>
-                  <a:rPr lang="en-US" altLang="ko-KR" dirty="0" smtClean="0">
+                  <a:rPr lang="en-US" altLang="ko-KR" dirty="0">
                     <a:latin typeface="Century Gothic" panose="020B0502020202020204" pitchFamily="34" charset="0"/>
                   </a:rPr>
                   <a:t>1</a:t>
@@ -9574,7 +9349,7 @@
               <a:p>
                 <a:pPr algn="ctr"/>
                 <a:r>
-                  <a:rPr lang="en-US" altLang="ko-KR" dirty="0" smtClean="0">
+                  <a:rPr lang="en-US" altLang="ko-KR" dirty="0">
                     <a:latin typeface="Century Gothic" panose="020B0502020202020204" pitchFamily="34" charset="0"/>
                   </a:rPr>
                   <a:t>2</a:t>
@@ -11789,28 +11564,24 @@
           </a:bodyPr>
           <a:lstStyle/>
           <a:p>
-            <a:endParaRPr lang="en-US" altLang="ko-KR" sz="2400" dirty="0" smtClean="0"/>
+            <a:endParaRPr lang="en-US" altLang="ko-KR" sz="2400" dirty="0"/>
           </a:p>
           <a:p>
             <a:endParaRPr lang="en-US" altLang="ko-KR" sz="2400" dirty="0"/>
           </a:p>
           <a:p>
-            <a:endParaRPr lang="en-US" altLang="ko-KR" sz="2400" dirty="0" smtClean="0"/>
+            <a:endParaRPr lang="en-US" altLang="ko-KR" sz="2400" dirty="0"/>
           </a:p>
           <a:p>
             <a:endParaRPr lang="en-US" altLang="ko-KR" sz="2400" dirty="0"/>
           </a:p>
           <a:p>
-            <a:endParaRPr lang="en-US" altLang="ko-KR" sz="1800" dirty="0" smtClean="0"/>
+            <a:endParaRPr lang="en-US" altLang="ko-KR" sz="1800" dirty="0"/>
           </a:p>
           <a:p>
             <a:r>
-              <a:rPr lang="en-US" altLang="ko-KR" sz="1800" dirty="0" smtClean="0"/>
-              <a:t>Q1</a:t>
-            </a:r>
-            <a:r>
               <a:rPr lang="en-US" altLang="ko-KR" sz="1800" dirty="0"/>
-              <a:t>: Which node invokes </a:t>
+              <a:t>Q1: Which node invokes </a:t>
             </a:r>
             <a:r>
               <a:rPr lang="en-US" altLang="ko-KR" sz="1800" b="1" dirty="0" err="1">
@@ -11831,16 +11602,12 @@
             <a:br>
               <a:rPr lang="en-US" altLang="ko-KR" sz="1800" dirty="0"/>
             </a:br>
-            <a:endParaRPr lang="en-US" altLang="ko-KR" sz="1800" dirty="0" smtClean="0"/>
+            <a:endParaRPr lang="en-US" altLang="ko-KR" sz="1800" dirty="0"/>
           </a:p>
           <a:p>
             <a:r>
-              <a:rPr lang="en-US" altLang="ko-KR" sz="1800" dirty="0" smtClean="0"/>
-              <a:t>Q2</a:t>
-            </a:r>
-            <a:r>
               <a:rPr lang="en-US" altLang="ko-KR" sz="1800" dirty="0"/>
-              <a:t>: Which node will invoke </a:t>
+              <a:t>Q2: Which node will invoke </a:t>
             </a:r>
             <a:r>
               <a:rPr lang="en-US" altLang="ko-KR" sz="1800" b="1" dirty="0">
@@ -11855,16 +11622,12 @@
             <a:br>
               <a:rPr lang="en-US" altLang="ko-KR" sz="1800" dirty="0"/>
             </a:br>
-            <a:endParaRPr lang="en-US" altLang="ko-KR" sz="1800" dirty="0" smtClean="0"/>
+            <a:endParaRPr lang="en-US" altLang="ko-KR" sz="1800" dirty="0"/>
           </a:p>
           <a:p>
             <a:r>
-              <a:rPr lang="en-US" altLang="ko-KR" sz="1800" dirty="0" smtClean="0"/>
-              <a:t>Q3</a:t>
-            </a:r>
-            <a:r>
               <a:rPr lang="en-US" altLang="ko-KR" sz="1800" dirty="0"/>
-              <a:t>: How many function calls are made to reach the node </a:t>
+              <a:t>Q3: How many function calls are made to reach the node </a:t>
             </a:r>
             <a:r>
               <a:rPr lang="en-US" altLang="ko-KR" sz="1800" b="1" dirty="0">
@@ -11873,34 +11636,18 @@
               <a:t>key=5</a:t>
             </a:r>
             <a:r>
-              <a:rPr lang="en-US" altLang="ko-KR" sz="1800" dirty="0" smtClean="0"/>
+              <a:rPr lang="en-US" altLang="ko-KR" sz="1800" dirty="0"/>
               <a:t>?  </a:t>
-            </a:r>
-            <a:r>
-              <a:rPr lang="en-US" altLang="ko-KR" sz="1800" dirty="0"/>
-              <a:t/>
             </a:r>
             <a:br>
               <a:rPr lang="en-US" altLang="ko-KR" sz="1800" dirty="0"/>
             </a:br>
-            <a:endParaRPr lang="en-US" altLang="ko-KR" sz="1800" dirty="0" smtClean="0"/>
+            <a:endParaRPr lang="en-US" altLang="ko-KR" sz="1800" dirty="0"/>
           </a:p>
           <a:p>
             <a:r>
-              <a:rPr lang="en-US" altLang="ko-KR" sz="1800" dirty="0" smtClean="0"/>
-              <a:t>Q4</a:t>
-            </a:r>
-            <a:r>
               <a:rPr lang="en-US" altLang="ko-KR" sz="1800" dirty="0"/>
-              <a:t>: How many function calls still </a:t>
-            </a:r>
-            <a:r>
-              <a:rPr lang="en-US" altLang="ko-KR" sz="1800" dirty="0" smtClean="0"/>
-              <a:t>remain </a:t>
-            </a:r>
-            <a:r>
-              <a:rPr lang="en-US" altLang="ko-KR" sz="1800" dirty="0"/>
-              <a:t>in the system stack to finish after key=5 is found and what are they?</a:t>
+              <a:t>Q4: How many function calls still remain in the system stack to finish after key=5 is found and what are they?</a:t>
             </a:r>
             <a:br>
               <a:rPr lang="en-US" altLang="ko-KR" sz="1800" dirty="0"/>
@@ -11919,14 +11666,6 @@
   <p:clrMapOvr>
     <a:masterClrMapping/>
   </p:clrMapOvr>
-  <mc:AlternateContent xmlns:mc="http://schemas.openxmlformats.org/markup-compatibility/2006" xmlns:p14="http://schemas.microsoft.com/office/powerpoint/2010/main">
-    <mc:Choice Requires="p14">
-      <p:transition spd="slow" p14:dur="2000"/>
-    </mc:Choice>
-    <mc:Fallback xmlns="">
-      <p:transition spd="slow"/>
-    </mc:Fallback>
-  </mc:AlternateContent>
 </p:sld>
 </file>
 
